--- a/Kashyap Ghodasara - AICTE PPT.pptx
+++ b/Kashyap Ghodasara - AICTE PPT.pptx
@@ -119,7 +119,7 @@
   </p:defaultTextStyle>
   <p:extLst>
     <p:ext uri="{EFAFB233-063F-42B5-8137-9DF3F51BA10A}">
-      <p15:sldGuideLst xmlns="" xmlns:p15="http://schemas.microsoft.com/office/powerpoint/2012/main"/>
+      <p15:sldGuideLst xmlns:p15="http://schemas.microsoft.com/office/powerpoint/2012/main" xmlns=""/>
     </p:ext>
   </p:extLst>
 </p:presentation>
@@ -207,7 +207,7 @@
           <a:p>
             <a:fld id="{46256A78-79A6-408F-8148-4F87BB81602D}" type="datetimeFigureOut">
               <a:rPr lang="en-IN" smtClean="0"/>
-              <a:t>15-02-2025</a:t>
+              <a:t>19-02-2025</a:t>
             </a:fld>
             <a:endParaRPr lang="en-IN"/>
           </a:p>
@@ -693,7 +693,7 @@
           <p:cNvPr id="8" name="Date Placeholder 7">
             <a:extLst>
               <a:ext uri="{FF2B5EF4-FFF2-40B4-BE49-F238E27FC236}">
-                <a16:creationId xmlns="" xmlns:a16="http://schemas.microsoft.com/office/drawing/2014/main" id="{7FA0ACE7-29A8-47D3-A7D9-257B711D8023}"/>
+                <a16:creationId xmlns:a16="http://schemas.microsoft.com/office/drawing/2014/main" xmlns="" id="{7FA0ACE7-29A8-47D3-A7D9-257B711D8023}"/>
               </a:ext>
             </a:extLst>
           </p:cNvPr>
@@ -711,7 +711,7 @@
           <a:p>
             <a:fld id="{ED291B17-9318-49DB-B28B-6E5994AE9581}" type="datetime1">
               <a:rPr lang="en-US" smtClean="0"/>
-              <a:t>2/15/2025</a:t>
+              <a:t>2/19/2025</a:t>
             </a:fld>
             <a:endParaRPr lang="en-US"/>
           </a:p>
@@ -722,7 +722,7 @@
           <p:cNvPr id="9" name="Footer Placeholder 8">
             <a:extLst>
               <a:ext uri="{FF2B5EF4-FFF2-40B4-BE49-F238E27FC236}">
-                <a16:creationId xmlns="" xmlns:a16="http://schemas.microsoft.com/office/drawing/2014/main" id="{DEC604B9-52E9-4810-8359-47206518D038}"/>
+                <a16:creationId xmlns:a16="http://schemas.microsoft.com/office/drawing/2014/main" xmlns="" id="{DEC604B9-52E9-4810-8359-47206518D038}"/>
               </a:ext>
             </a:extLst>
           </p:cNvPr>
@@ -755,7 +755,7 @@
           <p:cNvPr id="10" name="Slide Number Placeholder 9">
             <a:extLst>
               <a:ext uri="{FF2B5EF4-FFF2-40B4-BE49-F238E27FC236}">
-                <a16:creationId xmlns="" xmlns:a16="http://schemas.microsoft.com/office/drawing/2014/main" id="{5898A89F-CA25-400F-B05A-AECBF2517E4F}"/>
+                <a16:creationId xmlns:a16="http://schemas.microsoft.com/office/drawing/2014/main" xmlns="" id="{5898A89F-CA25-400F-B05A-AECBF2517E4F}"/>
               </a:ext>
             </a:extLst>
           </p:cNvPr>
@@ -920,7 +920,7 @@
           <a:p>
             <a:fld id="{2CED4963-E985-44C4-B8C4-FDD613B7C2F8}" type="datetime1">
               <a:rPr lang="en-US" smtClean="0"/>
-              <a:t>2/15/2025</a:t>
+              <a:t>2/19/2025</a:t>
             </a:fld>
             <a:endParaRPr lang="en-US"/>
           </a:p>
@@ -1141,7 +1141,7 @@
           <p:cNvPr id="8" name="Rectangle 7">
             <a:extLst>
               <a:ext uri="{FF2B5EF4-FFF2-40B4-BE49-F238E27FC236}">
-                <a16:creationId xmlns="" xmlns:a16="http://schemas.microsoft.com/office/drawing/2014/main" id="{F6423B97-A5D4-47B9-8861-73B3707A04CF}"/>
+                <a16:creationId xmlns:a16="http://schemas.microsoft.com/office/drawing/2014/main" xmlns="" id="{F6423B97-A5D4-47B9-8861-73B3707A04CF}"/>
               </a:ext>
             </a:extLst>
           </p:cNvPr>
@@ -1184,7 +1184,7 @@
           <p:cNvPr id="9" name="Rectangle 8">
             <a:extLst>
               <a:ext uri="{FF2B5EF4-FFF2-40B4-BE49-F238E27FC236}">
-                <a16:creationId xmlns="" xmlns:a16="http://schemas.microsoft.com/office/drawing/2014/main" id="{1AEC0421-37B4-4481-A10D-69FDF5EC7909}"/>
+                <a16:creationId xmlns:a16="http://schemas.microsoft.com/office/drawing/2014/main" xmlns="" id="{1AEC0421-37B4-4481-A10D-69FDF5EC7909}"/>
               </a:ext>
             </a:extLst>
           </p:cNvPr>
@@ -1227,7 +1227,7 @@
           <p:cNvPr id="10" name="Rectangle 9">
             <a:extLst>
               <a:ext uri="{FF2B5EF4-FFF2-40B4-BE49-F238E27FC236}">
-                <a16:creationId xmlns="" xmlns:a16="http://schemas.microsoft.com/office/drawing/2014/main" id="{5F7265B5-9F97-4F1E-99E9-74F7B7E62337}"/>
+                <a16:creationId xmlns:a16="http://schemas.microsoft.com/office/drawing/2014/main" xmlns="" id="{5F7265B5-9F97-4F1E-99E9-74F7B7E62337}"/>
               </a:ext>
             </a:extLst>
           </p:cNvPr>
@@ -1270,7 +1270,7 @@
           <p:cNvPr id="11" name="Date Placeholder 10">
             <a:extLst>
               <a:ext uri="{FF2B5EF4-FFF2-40B4-BE49-F238E27FC236}">
-                <a16:creationId xmlns="" xmlns:a16="http://schemas.microsoft.com/office/drawing/2014/main" id="{5C74A470-3BD3-4F33-80E5-67E6E87FCBE7}"/>
+                <a16:creationId xmlns:a16="http://schemas.microsoft.com/office/drawing/2014/main" xmlns="" id="{5C74A470-3BD3-4F33-80E5-67E6E87FCBE7}"/>
               </a:ext>
             </a:extLst>
           </p:cNvPr>
@@ -1288,7 +1288,7 @@
           <a:p>
             <a:fld id="{ED291B17-9318-49DB-B28B-6E5994AE9581}" type="datetime1">
               <a:rPr lang="en-US" smtClean="0"/>
-              <a:t>2/15/2025</a:t>
+              <a:t>2/19/2025</a:t>
             </a:fld>
             <a:endParaRPr lang="en-US"/>
           </a:p>
@@ -1299,7 +1299,7 @@
           <p:cNvPr id="12" name="Footer Placeholder 11">
             <a:extLst>
               <a:ext uri="{FF2B5EF4-FFF2-40B4-BE49-F238E27FC236}">
-                <a16:creationId xmlns="" xmlns:a16="http://schemas.microsoft.com/office/drawing/2014/main" id="{9A3A30BA-DB50-4D7D-BCDE-17D20FB354DF}"/>
+                <a16:creationId xmlns:a16="http://schemas.microsoft.com/office/drawing/2014/main" xmlns="" id="{9A3A30BA-DB50-4D7D-BCDE-17D20FB354DF}"/>
               </a:ext>
             </a:extLst>
           </p:cNvPr>
@@ -1332,7 +1332,7 @@
           <p:cNvPr id="13" name="Slide Number Placeholder 12">
             <a:extLst>
               <a:ext uri="{FF2B5EF4-FFF2-40B4-BE49-F238E27FC236}">
-                <a16:creationId xmlns="" xmlns:a16="http://schemas.microsoft.com/office/drawing/2014/main" id="{76FF9E58-C0B2-436B-A21C-DB45A00D6515}"/>
+                <a16:creationId xmlns:a16="http://schemas.microsoft.com/office/drawing/2014/main" xmlns="" id="{76FF9E58-C0B2-436B-A21C-DB45A00D6515}"/>
               </a:ext>
             </a:extLst>
           </p:cNvPr>
@@ -1474,7 +1474,7 @@
           <p:cNvPr id="8" name="Date Placeholder 7">
             <a:extLst>
               <a:ext uri="{FF2B5EF4-FFF2-40B4-BE49-F238E27FC236}">
-                <a16:creationId xmlns="" xmlns:a16="http://schemas.microsoft.com/office/drawing/2014/main" id="{770E6237-3456-439F-802D-3BA93FC7E3E5}"/>
+                <a16:creationId xmlns:a16="http://schemas.microsoft.com/office/drawing/2014/main" xmlns="" id="{770E6237-3456-439F-802D-3BA93FC7E3E5}"/>
               </a:ext>
             </a:extLst>
           </p:cNvPr>
@@ -1492,7 +1492,7 @@
           <a:p>
             <a:fld id="{78DD82B9-B8EE-4375-B6FF-88FA6ABB15D9}" type="datetime1">
               <a:rPr lang="en-US" smtClean="0"/>
-              <a:t>2/15/2025</a:t>
+              <a:t>2/19/2025</a:t>
             </a:fld>
             <a:endParaRPr lang="en-US"/>
           </a:p>
@@ -1731,7 +1731,7 @@
           <p:cNvPr id="7" name="Date Placeholder 6">
             <a:extLst>
               <a:ext uri="{FF2B5EF4-FFF2-40B4-BE49-F238E27FC236}">
-                <a16:creationId xmlns="" xmlns:a16="http://schemas.microsoft.com/office/drawing/2014/main" id="{61582016-5696-4A93-887F-BBB3B9002FE5}"/>
+                <a16:creationId xmlns:a16="http://schemas.microsoft.com/office/drawing/2014/main" xmlns="" id="{61582016-5696-4A93-887F-BBB3B9002FE5}"/>
               </a:ext>
             </a:extLst>
           </p:cNvPr>
@@ -1749,7 +1749,7 @@
           <a:p>
             <a:fld id="{B2497495-0637-405E-AE64-5CC7506D51F5}" type="datetime1">
               <a:rPr lang="en-US" smtClean="0"/>
-              <a:t>2/15/2025</a:t>
+              <a:t>2/19/2025</a:t>
             </a:fld>
             <a:endParaRPr lang="en-US"/>
           </a:p>
@@ -1760,7 +1760,7 @@
           <p:cNvPr id="9" name="Footer Placeholder 8">
             <a:extLst>
               <a:ext uri="{FF2B5EF4-FFF2-40B4-BE49-F238E27FC236}">
-                <a16:creationId xmlns="" xmlns:a16="http://schemas.microsoft.com/office/drawing/2014/main" id="{857CFCD5-1192-4E18-8A8F-29E153B44DA4}"/>
+                <a16:creationId xmlns:a16="http://schemas.microsoft.com/office/drawing/2014/main" xmlns="" id="{857CFCD5-1192-4E18-8A8F-29E153B44DA4}"/>
               </a:ext>
             </a:extLst>
           </p:cNvPr>
@@ -1793,7 +1793,7 @@
           <p:cNvPr id="10" name="Slide Number Placeholder 9">
             <a:extLst>
               <a:ext uri="{FF2B5EF4-FFF2-40B4-BE49-F238E27FC236}">
-                <a16:creationId xmlns="" xmlns:a16="http://schemas.microsoft.com/office/drawing/2014/main" id="{E39A109E-5018-4794-92B3-FD5E5BCD95E8}"/>
+                <a16:creationId xmlns:a16="http://schemas.microsoft.com/office/drawing/2014/main" xmlns="" id="{E39A109E-5018-4794-92B3-FD5E5BCD95E8}"/>
               </a:ext>
             </a:extLst>
           </p:cNvPr>
@@ -2007,7 +2007,7 @@
           <a:p>
             <a:fld id="{7BFFD690-9426-415D-8B65-26881E07B2D4}" type="datetime1">
               <a:rPr lang="en-US" smtClean="0"/>
-              <a:t>2/15/2025</a:t>
+              <a:t>2/19/2025</a:t>
             </a:fld>
             <a:endParaRPr lang="en-US"/>
           </a:p>
@@ -2434,7 +2434,7 @@
           <a:p>
             <a:fld id="{04C4989A-474C-40DE-95B9-011C28B71673}" type="datetime1">
               <a:rPr lang="en-US" smtClean="0"/>
-              <a:t>2/15/2025</a:t>
+              <a:t>2/19/2025</a:t>
             </a:fld>
             <a:endParaRPr lang="en-US"/>
           </a:p>
@@ -2564,7 +2564,7 @@
           <a:p>
             <a:fld id="{5DB4ED54-5B5E-4A04-93D3-5772E3CE3818}" type="datetime1">
               <a:rPr lang="en-US" smtClean="0"/>
-              <a:t>2/15/2025</a:t>
+              <a:t>2/19/2025</a:t>
             </a:fld>
             <a:endParaRPr lang="en-US"/>
           </a:p>
@@ -2667,7 +2667,7 @@
           <a:p>
             <a:fld id="{4EDE50D6-574B-40AF-946F-D52A04ADE379}" type="datetime1">
               <a:rPr lang="en-US" smtClean="0"/>
-              <a:t>2/15/2025</a:t>
+              <a:t>2/19/2025</a:t>
             </a:fld>
             <a:endParaRPr lang="en-US"/>
           </a:p>
@@ -3027,7 +3027,7 @@
           <p:cNvPr id="8" name="Date Placeholder 7">
             <a:extLst>
               <a:ext uri="{FF2B5EF4-FFF2-40B4-BE49-F238E27FC236}">
-                <a16:creationId xmlns="" xmlns:a16="http://schemas.microsoft.com/office/drawing/2014/main" id="{0B919CC2-2A65-446F-B538-9E6249035445}"/>
+                <a16:creationId xmlns:a16="http://schemas.microsoft.com/office/drawing/2014/main" xmlns="" id="{0B919CC2-2A65-446F-B538-9E6249035445}"/>
               </a:ext>
             </a:extLst>
           </p:cNvPr>
@@ -3050,7 +3050,7 @@
           <a:p>
             <a:fld id="{D82884F1-FFEA-405F-9602-3DCA865EDA4E}" type="datetime1">
               <a:rPr lang="en-US" smtClean="0"/>
-              <a:t>2/15/2025</a:t>
+              <a:t>2/19/2025</a:t>
             </a:fld>
             <a:endParaRPr lang="en-US"/>
           </a:p>
@@ -3061,7 +3061,7 @@
           <p:cNvPr id="10" name="Footer Placeholder 9">
             <a:extLst>
               <a:ext uri="{FF2B5EF4-FFF2-40B4-BE49-F238E27FC236}">
-                <a16:creationId xmlns="" xmlns:a16="http://schemas.microsoft.com/office/drawing/2014/main" id="{B72412AE-119E-4982-8B24-63365EFCA796}"/>
+                <a16:creationId xmlns:a16="http://schemas.microsoft.com/office/drawing/2014/main" xmlns="" id="{B72412AE-119E-4982-8B24-63365EFCA796}"/>
               </a:ext>
             </a:extLst>
           </p:cNvPr>
@@ -3094,7 +3094,7 @@
           <p:cNvPr id="11" name="Slide Number Placeholder 10">
             <a:extLst>
               <a:ext uri="{FF2B5EF4-FFF2-40B4-BE49-F238E27FC236}">
-                <a16:creationId xmlns="" xmlns:a16="http://schemas.microsoft.com/office/drawing/2014/main" id="{7FC4BB19-6AD1-45CF-9F99-00B109890FAB}"/>
+                <a16:creationId xmlns:a16="http://schemas.microsoft.com/office/drawing/2014/main" xmlns="" id="{7FC4BB19-6AD1-45CF-9F99-00B109890FAB}"/>
               </a:ext>
             </a:extLst>
           </p:cNvPr>
@@ -3344,7 +3344,7 @@
           <a:p>
             <a:fld id="{7E18DB4A-8810-4A10-AD5C-D5E2C667F5B3}" type="datetime1">
               <a:rPr lang="en-US" smtClean="0"/>
-              <a:t>2/15/2025</a:t>
+              <a:t>2/19/2025</a:t>
             </a:fld>
             <a:endParaRPr lang="en-US"/>
           </a:p>
@@ -3565,7 +3565,7 @@
           <a:p>
             <a:fld id="{ED291B17-9318-49DB-B28B-6E5994AE9581}" type="datetime1">
               <a:rPr lang="en-US" smtClean="0"/>
-              <a:t>2/15/2025</a:t>
+              <a:t>2/19/2025</a:t>
             </a:fld>
             <a:endParaRPr lang="en-US"/>
           </a:p>
@@ -3729,7 +3729,7 @@
           <p:cNvPr id="8" name="Picture 7" descr="Logo&#10;&#10;Description automatically generated">
             <a:extLst>
               <a:ext uri="{FF2B5EF4-FFF2-40B4-BE49-F238E27FC236}">
-                <a16:creationId xmlns="" xmlns:a16="http://schemas.microsoft.com/office/drawing/2014/main" id="{14A64E4D-8DED-7830-2955-1BE78C5B0655}"/>
+                <a16:creationId xmlns:a16="http://schemas.microsoft.com/office/drawing/2014/main" xmlns="" id="{14A64E4D-8DED-7830-2955-1BE78C5B0655}"/>
               </a:ext>
             </a:extLst>
           </p:cNvPr>
@@ -4194,7 +4194,7 @@
           <p:cNvPr id="2" name="Title 1">
             <a:extLst>
               <a:ext uri="{FF2B5EF4-FFF2-40B4-BE49-F238E27FC236}">
-                <a16:creationId xmlns="" xmlns:a16="http://schemas.microsoft.com/office/drawing/2014/main" id="{A8A11E26-4C38-41A6-9857-11032CEECD80}"/>
+                <a16:creationId xmlns:a16="http://schemas.microsoft.com/office/drawing/2014/main" xmlns="" id="{A8A11E26-4C38-41A6-9857-11032CEECD80}"/>
               </a:ext>
             </a:extLst>
           </p:cNvPr>
@@ -4212,20 +4212,29 @@
           </a:xfrm>
         </p:spPr>
         <p:txBody>
-          <a:bodyPr/>
+          <a:bodyPr>
+            <a:normAutofit fontScale="90000"/>
+          </a:bodyPr>
           <a:lstStyle/>
           <a:p>
             <a:pPr algn="ctr"/>
             <a:r>
-              <a:rPr lang="en-US" b="1" dirty="0">
+              <a:rPr lang="en-US" b="1" cap="none" dirty="0">
                 <a:solidFill>
                   <a:schemeClr val="accent1"/>
                 </a:solidFill>
                 <a:latin typeface="Arial" panose="020B0604020202020204" pitchFamily="34" charset="0"/>
                 <a:cs typeface="Arial" panose="020B0604020202020204" pitchFamily="34" charset="0"/>
               </a:rPr>
-              <a:t>PROJECT TITLE</a:t>
-            </a:r>
+              <a:t>Secure Data Hiding In Images Using Steganography</a:t>
+            </a:r>
+            <a:endParaRPr lang="en-US" b="1" dirty="0">
+              <a:solidFill>
+                <a:schemeClr val="accent1"/>
+              </a:solidFill>
+              <a:latin typeface="Arial" panose="020B0604020202020204" pitchFamily="34" charset="0"/>
+              <a:cs typeface="Arial" panose="020B0604020202020204" pitchFamily="34" charset="0"/>
+            </a:endParaRPr>
           </a:p>
         </p:txBody>
       </p:sp>
@@ -4534,7 +4543,7 @@
           <p:cNvPr id="3" name="Content Placeholder 2">
             <a:extLst>
               <a:ext uri="{FF2B5EF4-FFF2-40B4-BE49-F238E27FC236}">
-                <a16:creationId xmlns="" xmlns:a16="http://schemas.microsoft.com/office/drawing/2014/main" id="{A6638FD1-D00E-E75B-705C-564F06D93D7B}"/>
+                <a16:creationId xmlns:a16="http://schemas.microsoft.com/office/drawing/2014/main" xmlns="" id="{A6638FD1-D00E-E75B-705C-564F06D93D7B}"/>
               </a:ext>
             </a:extLst>
           </p:cNvPr>
@@ -4586,7 +4595,6 @@
               <a:rPr lang="en-US" dirty="0"/>
               <a:t> content.</a:t>
             </a:r>
-            <a:endParaRPr lang="en-US" dirty="0"/>
           </a:p>
         </p:txBody>
       </p:sp>
@@ -4595,7 +4603,7 @@
           <p:cNvPr id="5" name="Title 4">
             <a:extLst>
               <a:ext uri="{FF2B5EF4-FFF2-40B4-BE49-F238E27FC236}">
-                <a16:creationId xmlns="" xmlns:a16="http://schemas.microsoft.com/office/drawing/2014/main" id="{3F968F13-9AC4-7120-7ACD-9F752C767D5D}"/>
+                <a16:creationId xmlns:a16="http://schemas.microsoft.com/office/drawing/2014/main" xmlns="" id="{3F968F13-9AC4-7120-7ACD-9F752C767D5D}"/>
               </a:ext>
             </a:extLst>
           </p:cNvPr>
@@ -4768,7 +4776,7 @@
           <p:cNvPr id="5" name="Title 4">
             <a:extLst>
               <a:ext uri="{FF2B5EF4-FFF2-40B4-BE49-F238E27FC236}">
-                <a16:creationId xmlns="" xmlns:a16="http://schemas.microsoft.com/office/drawing/2014/main" id="{8BE4CA82-64EC-4D4E-A5E5-3EBB66E7B24C}"/>
+                <a16:creationId xmlns:a16="http://schemas.microsoft.com/office/drawing/2014/main" xmlns="" id="{8BE4CA82-64EC-4D4E-A5E5-3EBB66E7B24C}"/>
               </a:ext>
             </a:extLst>
           </p:cNvPr>
@@ -4845,7 +4853,7 @@
           <p:cNvPr id="2" name="Title 1">
             <a:extLst>
               <a:ext uri="{FF2B5EF4-FFF2-40B4-BE49-F238E27FC236}">
-                <a16:creationId xmlns="" xmlns:a16="http://schemas.microsoft.com/office/drawing/2014/main" id="{49FFEB4C-F209-4AE7-AA2B-B3C26CE2C51D}"/>
+                <a16:creationId xmlns:a16="http://schemas.microsoft.com/office/drawing/2014/main" xmlns="" id="{49FFEB4C-F209-4AE7-AA2B-B3C26CE2C51D}"/>
               </a:ext>
             </a:extLst>
           </p:cNvPr>
@@ -4884,7 +4892,7 @@
           <p:cNvPr id="3" name="Content Placeholder 2">
             <a:extLst>
               <a:ext uri="{FF2B5EF4-FFF2-40B4-BE49-F238E27FC236}">
-                <a16:creationId xmlns="" xmlns:a16="http://schemas.microsoft.com/office/drawing/2014/main" id="{B2678641-EEA3-4EC4-BF39-4075B0C120E8}"/>
+                <a16:creationId xmlns:a16="http://schemas.microsoft.com/office/drawing/2014/main" xmlns="" id="{B2678641-EEA3-4EC4-BF39-4075B0C120E8}"/>
               </a:ext>
             </a:extLst>
           </p:cNvPr>
@@ -5082,7 +5090,7 @@
           <p:cNvPr id="5" name="Title 4">
             <a:extLst>
               <a:ext uri="{FF2B5EF4-FFF2-40B4-BE49-F238E27FC236}">
-                <a16:creationId xmlns="" xmlns:a16="http://schemas.microsoft.com/office/drawing/2014/main" id="{8FBA75B4-2DD5-42EB-9397-F36BFB8BA723}"/>
+                <a16:creationId xmlns:a16="http://schemas.microsoft.com/office/drawing/2014/main" xmlns="" id="{8FBA75B4-2DD5-42EB-9397-F36BFB8BA723}"/>
               </a:ext>
             </a:extLst>
           </p:cNvPr>
@@ -5119,7 +5127,7 @@
           <p:cNvPr id="2" name="Content Placeholder 1">
             <a:extLst>
               <a:ext uri="{FF2B5EF4-FFF2-40B4-BE49-F238E27FC236}">
-                <a16:creationId xmlns="" xmlns:a16="http://schemas.microsoft.com/office/drawing/2014/main" id="{8FEE4A9C-3F57-7DA7-91FD-715C3FB47F93}"/>
+                <a16:creationId xmlns:a16="http://schemas.microsoft.com/office/drawing/2014/main" xmlns="" id="{8FEE4A9C-3F57-7DA7-91FD-715C3FB47F93}"/>
               </a:ext>
             </a:extLst>
           </p:cNvPr>
@@ -5194,7 +5202,7 @@
           <p:cNvPr id="5" name="Title 4">
             <a:extLst>
               <a:ext uri="{FF2B5EF4-FFF2-40B4-BE49-F238E27FC236}">
-                <a16:creationId xmlns="" xmlns:a16="http://schemas.microsoft.com/office/drawing/2014/main" id="{8FBA75B4-2DD5-42EB-9397-F36BFB8BA723}"/>
+                <a16:creationId xmlns:a16="http://schemas.microsoft.com/office/drawing/2014/main" xmlns="" id="{8FBA75B4-2DD5-42EB-9397-F36BFB8BA723}"/>
               </a:ext>
             </a:extLst>
           </p:cNvPr>
@@ -5231,7 +5239,7 @@
           <p:cNvPr id="2" name="Content Placeholder 1">
             <a:extLst>
               <a:ext uri="{FF2B5EF4-FFF2-40B4-BE49-F238E27FC236}">
-                <a16:creationId xmlns="" xmlns:a16="http://schemas.microsoft.com/office/drawing/2014/main" id="{E041FD9D-DF07-9C37-1E61-1D920E0EF1D4}"/>
+                <a16:creationId xmlns:a16="http://schemas.microsoft.com/office/drawing/2014/main" xmlns="" id="{E041FD9D-DF07-9C37-1E61-1D920E0EF1D4}"/>
               </a:ext>
             </a:extLst>
           </p:cNvPr>
@@ -5362,7 +5370,7 @@
           <p:cNvPr id="5" name="Title 4">
             <a:extLst>
               <a:ext uri="{FF2B5EF4-FFF2-40B4-BE49-F238E27FC236}">
-                <a16:creationId xmlns="" xmlns:a16="http://schemas.microsoft.com/office/drawing/2014/main" id="{8FBA75B4-2DD5-42EB-9397-F36BFB8BA723}"/>
+                <a16:creationId xmlns:a16="http://schemas.microsoft.com/office/drawing/2014/main" xmlns="" id="{8FBA75B4-2DD5-42EB-9397-F36BFB8BA723}"/>
               </a:ext>
             </a:extLst>
           </p:cNvPr>
@@ -5411,7 +5419,7 @@
           <p:cNvPr id="2" name="Content Placeholder 1">
             <a:extLst>
               <a:ext uri="{FF2B5EF4-FFF2-40B4-BE49-F238E27FC236}">
-                <a16:creationId xmlns="" xmlns:a16="http://schemas.microsoft.com/office/drawing/2014/main" id="{C4FFAF3C-BA60-9181-132C-C36C403AAEA7}"/>
+                <a16:creationId xmlns:a16="http://schemas.microsoft.com/office/drawing/2014/main" xmlns="" id="{C4FFAF3C-BA60-9181-132C-C36C403AAEA7}"/>
               </a:ext>
             </a:extLst>
           </p:cNvPr>
@@ -5512,7 +5520,7 @@
           <p:cNvPr id="2" name="Title 1">
             <a:extLst>
               <a:ext uri="{FF2B5EF4-FFF2-40B4-BE49-F238E27FC236}">
-                <a16:creationId xmlns="" xmlns:a16="http://schemas.microsoft.com/office/drawing/2014/main" id="{5F45986D-DBC5-8220-FE6F-7F2ABC7C4CEE}"/>
+                <a16:creationId xmlns:a16="http://schemas.microsoft.com/office/drawing/2014/main" xmlns="" id="{5F45986D-DBC5-8220-FE6F-7F2ABC7C4CEE}"/>
               </a:ext>
             </a:extLst>
           </p:cNvPr>
@@ -5544,7 +5552,7 @@
           <p:cNvPr id="3" name="Content Placeholder 2">
             <a:extLst>
               <a:ext uri="{FF2B5EF4-FFF2-40B4-BE49-F238E27FC236}">
-                <a16:creationId xmlns="" xmlns:a16="http://schemas.microsoft.com/office/drawing/2014/main" id="{AB679E23-F86A-AFA9-FE9C-7F5A518E8198}"/>
+                <a16:creationId xmlns:a16="http://schemas.microsoft.com/office/drawing/2014/main" xmlns="" id="{AB679E23-F86A-AFA9-FE9C-7F5A518E8198}"/>
               </a:ext>
             </a:extLst>
           </p:cNvPr>
@@ -5649,7 +5657,7 @@
           <p:cNvPr id="2" name="Title 1">
             <a:extLst>
               <a:ext uri="{FF2B5EF4-FFF2-40B4-BE49-F238E27FC236}">
-                <a16:creationId xmlns="" xmlns:a16="http://schemas.microsoft.com/office/drawing/2014/main" id="{A4F8070C-FF0D-BBE3-3D8A-C3794CCCE8A2}"/>
+                <a16:creationId xmlns:a16="http://schemas.microsoft.com/office/drawing/2014/main" xmlns="" id="{A4F8070C-FF0D-BBE3-3D8A-C3794CCCE8A2}"/>
               </a:ext>
             </a:extLst>
           </p:cNvPr>
@@ -5837,7 +5845,7 @@
           <p:cNvPr id="2" name="Title 1">
             <a:extLst>
               <a:ext uri="{FF2B5EF4-FFF2-40B4-BE49-F238E27FC236}">
-                <a16:creationId xmlns="" xmlns:a16="http://schemas.microsoft.com/office/drawing/2014/main" id="{FA4C6B3D-1072-C2D2-EBFE-E33CABE394D1}"/>
+                <a16:creationId xmlns:a16="http://schemas.microsoft.com/office/drawing/2014/main" xmlns="" id="{FA4C6B3D-1072-C2D2-EBFE-E33CABE394D1}"/>
               </a:ext>
             </a:extLst>
           </p:cNvPr>
@@ -5869,7 +5877,7 @@
           <p:cNvPr id="3" name="Content Placeholder 2">
             <a:extLst>
               <a:ext uri="{FF2B5EF4-FFF2-40B4-BE49-F238E27FC236}">
-                <a16:creationId xmlns="" xmlns:a16="http://schemas.microsoft.com/office/drawing/2014/main" id="{D4974547-DF1B-77BB-E545-9344EDB9AD3F}"/>
+                <a16:creationId xmlns:a16="http://schemas.microsoft.com/office/drawing/2014/main" xmlns="" id="{D4974547-DF1B-77BB-E545-9344EDB9AD3F}"/>
               </a:ext>
             </a:extLst>
           </p:cNvPr>
@@ -5951,7 +5959,7 @@
           <p:cNvPr id="2" name="Title 1">
             <a:extLst>
               <a:ext uri="{FF2B5EF4-FFF2-40B4-BE49-F238E27FC236}">
-                <a16:creationId xmlns="" xmlns:a16="http://schemas.microsoft.com/office/drawing/2014/main" id="{48E9F08C-D61F-627D-C4E5-397E3E84FC45}"/>
+                <a16:creationId xmlns:a16="http://schemas.microsoft.com/office/drawing/2014/main" xmlns="" id="{48E9F08C-D61F-627D-C4E5-397E3E84FC45}"/>
               </a:ext>
             </a:extLst>
           </p:cNvPr>
@@ -5983,7 +5991,7 @@
           <p:cNvPr id="3" name="Content Placeholder 2">
             <a:extLst>
               <a:ext uri="{FF2B5EF4-FFF2-40B4-BE49-F238E27FC236}">
-                <a16:creationId xmlns="" xmlns:a16="http://schemas.microsoft.com/office/drawing/2014/main" id="{51A299DD-46FA-7866-41D8-C1BFCC2F69DD}"/>
+                <a16:creationId xmlns:a16="http://schemas.microsoft.com/office/drawing/2014/main" xmlns="" id="{51A299DD-46FA-7866-41D8-C1BFCC2F69DD}"/>
               </a:ext>
             </a:extLst>
           </p:cNvPr>
@@ -6292,7 +6300,7 @@
   <a:extraClrSchemeLst/>
   <a:extLst>
     <a:ext uri="{05A4C25C-085E-4340-85A3-A5531E510DB2}">
-      <thm15:themeFamily xmlns="" xmlns:thm15="http://schemas.microsoft.com/office/thememl/2012/main" name="DividendVTI" id="{97558BDE-0B66-457C-BB6F-7B1B22DAA9B8}" vid="{F53508A3-AC60-448A-AF37-934D5F1A0D5E}"/>
+      <thm15:themeFamily xmlns:thm15="http://schemas.microsoft.com/office/thememl/2012/main" xmlns="" name="DividendVTI" id="{97558BDE-0B66-457C-BB6F-7B1B22DAA9B8}" vid="{F53508A3-AC60-448A-AF37-934D5F1A0D5E}"/>
     </a:ext>
   </a:extLst>
 </a:theme>
@@ -6587,30 +6595,13 @@
   <a:extraClrSchemeLst/>
   <a:extLst>
     <a:ext uri="{05A4C25C-085E-4340-85A3-A5531E510DB2}">
-      <thm15:themeFamily xmlns="" xmlns:thm15="http://schemas.microsoft.com/office/thememl/2012/main" name="Office Theme" id="{62F939B6-93AF-4DB8-9C6B-D6C7DFDC589F}" vid="{4A3C46E8-61CC-4603-A589-7422A47A8E4A}"/>
+      <thm15:themeFamily xmlns:thm15="http://schemas.microsoft.com/office/thememl/2012/main" xmlns="" name="Office Theme" id="{62F939B6-93AF-4DB8-9C6B-D6C7DFDC589F}" vid="{4A3C46E8-61CC-4603-A589-7422A47A8E4A}"/>
     </a:ext>
   </a:extLst>
 </a:theme>
 </file>
 
 <file path=customXml/item1.xml><?xml version="1.0" encoding="utf-8"?>
-<p:properties xmlns:p="http://schemas.microsoft.com/office/2006/metadata/properties" xmlns:xsi="http://www.w3.org/2001/XMLSchema-instance" xmlns:pc="http://schemas.microsoft.com/office/infopath/2007/PartnerControls">
-  <documentManagement>
-    <_activity xmlns="b30265f8-c5e2-4918-b4a1-b977299ca3e2" xsi:nil="true"/>
-  </documentManagement>
-</p:properties>
-</file>
-
-<file path=customXml/item2.xml><?xml version="1.0" encoding="utf-8"?>
-<?mso-contentType ?>
-<FormTemplates xmlns="http://schemas.microsoft.com/sharepoint/v3/contenttype/forms">
-  <Display>DocumentLibraryForm</Display>
-  <Edit>DocumentLibraryForm</Edit>
-  <New>DocumentLibraryForm</New>
-</FormTemplates>
-</file>
-
-<file path=customXml/item3.xml><?xml version="1.0" encoding="utf-8"?>
 <ct:contentTypeSchema xmlns:ct="http://schemas.microsoft.com/office/2006/metadata/contentType" xmlns:ma="http://schemas.microsoft.com/office/2006/metadata/properties/metaAttributes" ct:_="" ma:_="" ma:contentTypeName="Document" ma:contentTypeID="0x0101007F0268AC5E70984D8FE60B7154176407" ma:contentTypeVersion="15" ma:contentTypeDescription="Create a new document." ma:contentTypeScope="" ma:versionID="104e359103f0f57b1cf9676756e5b944">
   <xsd:schema xmlns:xsd="http://www.w3.org/2001/XMLSchema" xmlns:xs="http://www.w3.org/2001/XMLSchema" xmlns:p="http://schemas.microsoft.com/office/2006/metadata/properties" xmlns:ns3="b30265f8-c5e2-4918-b4a1-b977299ca3e2" xmlns:ns4="fadb41d3-f9cb-40fb-903c-8cacaba95bb5" targetNamespace="http://schemas.microsoft.com/office/2006/metadata/properties" ma:root="true" ma:fieldsID="5615b8f8aa772998bad551f24a33de0e" ns3:_="" ns4:_="">
     <xsd:import namespace="b30265f8-c5e2-4918-b4a1-b977299ca3e2"/>
@@ -6843,32 +6834,24 @@
 </ct:contentTypeSchema>
 </file>
 
-<file path=customXml/itemProps1.xml><?xml version="1.0" encoding="utf-8"?>
-<ds:datastoreItem xmlns:ds="http://schemas.openxmlformats.org/officeDocument/2006/customXml" ds:itemID="{8D289AE2-D2AE-49D1-AFAC-3A79F6794255}">
-  <ds:schemaRefs>
-    <ds:schemaRef ds:uri="http://schemas.openxmlformats.org/package/2006/metadata/core-properties"/>
-    <ds:schemaRef ds:uri="http://schemas.microsoft.com/office/2006/documentManagement/types"/>
-    <ds:schemaRef ds:uri="http://purl.org/dc/dcmitype/"/>
-    <ds:schemaRef ds:uri="http://schemas.microsoft.com/office/infopath/2007/PartnerControls"/>
-    <ds:schemaRef ds:uri="http://purl.org/dc/elements/1.1/"/>
-    <ds:schemaRef ds:uri="http://schemas.microsoft.com/office/2006/metadata/properties"/>
-    <ds:schemaRef ds:uri="fadb41d3-f9cb-40fb-903c-8cacaba95bb5"/>
-    <ds:schemaRef ds:uri="http://purl.org/dc/terms/"/>
-    <ds:schemaRef ds:uri="b30265f8-c5e2-4918-b4a1-b977299ca3e2"/>
-    <ds:schemaRef ds:uri="http://www.w3.org/XML/1998/namespace"/>
-  </ds:schemaRefs>
-</ds:datastoreItem>
+<file path=customXml/item2.xml><?xml version="1.0" encoding="utf-8"?>
+<?mso-contentType ?>
+<FormTemplates xmlns="http://schemas.microsoft.com/sharepoint/v3/contenttype/forms">
+  <Display>DocumentLibraryForm</Display>
+  <Edit>DocumentLibraryForm</Edit>
+  <New>DocumentLibraryForm</New>
+</FormTemplates>
 </file>
 
-<file path=customXml/itemProps2.xml><?xml version="1.0" encoding="utf-8"?>
-<ds:datastoreItem xmlns:ds="http://schemas.openxmlformats.org/officeDocument/2006/customXml" ds:itemID="{927BD4C1-B6B1-4715-ABF9-E660A51A4EA0}">
-  <ds:schemaRefs>
-    <ds:schemaRef ds:uri="http://schemas.microsoft.com/sharepoint/v3/contenttype/forms"/>
-  </ds:schemaRefs>
-</ds:datastoreItem>
+<file path=customXml/item3.xml><?xml version="1.0" encoding="utf-8"?>
+<p:properties xmlns:p="http://schemas.microsoft.com/office/2006/metadata/properties" xmlns:xsi="http://www.w3.org/2001/XMLSchema-instance" xmlns:pc="http://schemas.microsoft.com/office/infopath/2007/PartnerControls">
+  <documentManagement>
+    <_activity xmlns="b30265f8-c5e2-4918-b4a1-b977299ca3e2" xsi:nil="true"/>
+  </documentManagement>
+</p:properties>
 </file>
 
-<file path=customXml/itemProps3.xml><?xml version="1.0" encoding="utf-8"?>
+<file path=customXml/itemProps1.xml><?xml version="1.0" encoding="utf-8"?>
 <ds:datastoreItem xmlns:ds="http://schemas.openxmlformats.org/officeDocument/2006/customXml" ds:itemID="{9DD71778-17EE-4151-88AE-C8F4E8043BD9}">
   <ds:schemaRefs>
     <ds:schemaRef ds:uri="http://schemas.microsoft.com/office/2006/metadata/contentType"/>
@@ -6885,4 +6868,29 @@
     <ds:schemaRef ds:uri="http://schemas.microsoft.com/internal/obd"/>
   </ds:schemaRefs>
 </ds:datastoreItem>
+</file>
+
+<file path=customXml/itemProps2.xml><?xml version="1.0" encoding="utf-8"?>
+<ds:datastoreItem xmlns:ds="http://schemas.openxmlformats.org/officeDocument/2006/customXml" ds:itemID="{927BD4C1-B6B1-4715-ABF9-E660A51A4EA0}">
+  <ds:schemaRefs>
+    <ds:schemaRef ds:uri="http://schemas.microsoft.com/sharepoint/v3/contenttype/forms"/>
+  </ds:schemaRefs>
+</ds:datastoreItem>
+</file>
+
+<file path=customXml/itemProps3.xml><?xml version="1.0" encoding="utf-8"?>
+<ds:datastoreItem xmlns:ds="http://schemas.openxmlformats.org/officeDocument/2006/customXml" ds:itemID="{8D289AE2-D2AE-49D1-AFAC-3A79F6794255}">
+  <ds:schemaRefs>
+    <ds:schemaRef ds:uri="http://schemas.openxmlformats.org/package/2006/metadata/core-properties"/>
+    <ds:schemaRef ds:uri="http://schemas.microsoft.com/office/2006/documentManagement/types"/>
+    <ds:schemaRef ds:uri="http://purl.org/dc/dcmitype/"/>
+    <ds:schemaRef ds:uri="http://schemas.microsoft.com/office/infopath/2007/PartnerControls"/>
+    <ds:schemaRef ds:uri="http://purl.org/dc/elements/1.1/"/>
+    <ds:schemaRef ds:uri="http://schemas.microsoft.com/office/2006/metadata/properties"/>
+    <ds:schemaRef ds:uri="fadb41d3-f9cb-40fb-903c-8cacaba95bb5"/>
+    <ds:schemaRef ds:uri="http://purl.org/dc/terms/"/>
+    <ds:schemaRef ds:uri="b30265f8-c5e2-4918-b4a1-b977299ca3e2"/>
+    <ds:schemaRef ds:uri="http://www.w3.org/XML/1998/namespace"/>
+  </ds:schemaRefs>
+</ds:datastoreItem>
 </file>